--- a/DDS_share_v4.pptx
+++ b/DDS_share_v4.pptx
@@ -16,9 +16,9 @@
     <p:sldId id="279" r:id="rId7"/>
     <p:sldId id="275" r:id="rId8"/>
     <p:sldId id="269" r:id="rId9"/>
-    <p:sldId id="277" r:id="rId10"/>
-    <p:sldId id="273" r:id="rId11"/>
-    <p:sldId id="274" r:id="rId12"/>
+    <p:sldId id="282" r:id="rId10"/>
+    <p:sldId id="277" r:id="rId11"/>
+    <p:sldId id="273" r:id="rId12"/>
     <p:sldId id="278" r:id="rId13"/>
     <p:sldId id="265" r:id="rId14"/>
     <p:sldId id="266" r:id="rId15"/>
@@ -3719,15 +3719,11 @@
           <a:p>
             <a:r>
               <a:rPr lang="de-DE" dirty="0" smtClean="0"/>
-              <a:t>J: ausgewählte DDS </a:t>
-            </a:r>
-            <a:r>
-              <a:rPr lang="de-DE" dirty="0" err="1" smtClean="0"/>
-              <a:t>QoS</a:t>
+              <a:t>DDS </a:t>
             </a:r>
             <a:r>
               <a:rPr lang="de-DE" dirty="0" smtClean="0"/>
-              <a:t> Beispiele</a:t>
+              <a:t>Architektur</a:t>
             </a:r>
             <a:endParaRPr lang="de-DE" dirty="0"/>
           </a:p>
@@ -3749,32 +3745,39 @@
           <a:lstStyle/>
           <a:p>
             <a:r>
-              <a:rPr lang="de-DE" dirty="0" err="1" smtClean="0"/>
-              <a:t>History</a:t>
-            </a:r>
-            <a:endParaRPr lang="de-DE" dirty="0" smtClean="0"/>
-          </a:p>
-          <a:p>
-            <a:r>
               <a:rPr lang="de-DE" dirty="0" smtClean="0"/>
-              <a:t>Discovery</a:t>
-            </a:r>
-          </a:p>
-          <a:p>
-            <a:r>
-              <a:rPr lang="de-DE" dirty="0" err="1" smtClean="0"/>
-              <a:t>Reliable</a:t>
-            </a:r>
+              <a:t>Auf welcher Ebene des OSI ISO befinden wir uns?</a:t>
+            </a:r>
+          </a:p>
+          <a:p>
+            <a:r>
+              <a:rPr lang="de-DE" dirty="0"/>
+              <a:t>Message-</a:t>
+            </a:r>
+            <a:r>
+              <a:rPr lang="de-DE" dirty="0" err="1"/>
+              <a:t>oriented</a:t>
+            </a:r>
+            <a:r>
+              <a:rPr lang="de-DE" dirty="0"/>
+              <a:t> </a:t>
+            </a:r>
+            <a:r>
+              <a:rPr lang="de-DE" dirty="0" err="1"/>
+              <a:t>middleware</a:t>
+            </a:r>
+            <a:endParaRPr lang="de-DE" dirty="0"/>
+          </a:p>
+          <a:p>
             <a:r>
               <a:rPr lang="de-DE" dirty="0" smtClean="0"/>
-              <a:t> Data</a:t>
-            </a:r>
-          </a:p>
-          <a:p>
-            <a:r>
-              <a:rPr lang="de-DE" dirty="0" smtClean="0"/>
-              <a:t>Filter</a:t>
-            </a:r>
+              <a:t>BILD</a:t>
+            </a:r>
+          </a:p>
+          <a:p>
+            <a:endParaRPr lang="de-DE" dirty="0"/>
+          </a:p>
+          <a:p>
             <a:endParaRPr lang="de-DE" dirty="0"/>
           </a:p>
         </p:txBody>
@@ -3828,7 +3831,7 @@
     </p:spTree>
     <p:extLst>
       <p:ext uri="{BB962C8B-B14F-4D97-AF65-F5344CB8AC3E}">
-        <p14:creationId xmlns:p14="http://schemas.microsoft.com/office/powerpoint/2010/main" val="2324785858"/>
+        <p14:creationId xmlns:p14="http://schemas.microsoft.com/office/powerpoint/2010/main" val="4005688388"/>
       </p:ext>
     </p:extLst>
   </p:cSld>
@@ -3839,7 +3842,7 @@
 </file>
 
 <file path=ppt/slides/slide11.xml><?xml version="1.0" encoding="utf-8"?>
-<p:sld xmlns:a="http://schemas.openxmlformats.org/drawingml/2006/main" xmlns:r="http://schemas.openxmlformats.org/officeDocument/2006/relationships" xmlns:p="http://schemas.openxmlformats.org/presentationml/2006/main" show="0">
+<p:sld xmlns:a="http://schemas.openxmlformats.org/drawingml/2006/main" xmlns:r="http://schemas.openxmlformats.org/officeDocument/2006/relationships" xmlns:p="http://schemas.openxmlformats.org/presentationml/2006/main">
   <p:cSld>
     <p:spTree>
       <p:nvGrpSpPr>
@@ -3872,7 +3875,15 @@
           <a:p>
             <a:r>
               <a:rPr lang="de-DE" dirty="0" smtClean="0"/>
-              <a:t>DDS Implementierungen</a:t>
+              <a:t>J: ausgewählte DDS </a:t>
+            </a:r>
+            <a:r>
+              <a:rPr lang="de-DE" dirty="0" err="1" smtClean="0"/>
+              <a:t>QoS</a:t>
+            </a:r>
+            <a:r>
+              <a:rPr lang="de-DE" dirty="0" smtClean="0"/>
+              <a:t> Beispiele</a:t>
             </a:r>
             <a:endParaRPr lang="de-DE" dirty="0"/>
           </a:p>
@@ -3895,48 +3906,30 @@
           <a:p>
             <a:r>
               <a:rPr lang="de-DE" dirty="0" err="1" smtClean="0"/>
-              <a:t>OpenDDS</a:t>
+              <a:t>History</a:t>
             </a:r>
             <a:endParaRPr lang="de-DE" dirty="0" smtClean="0"/>
           </a:p>
           <a:p>
             <a:r>
               <a:rPr lang="de-DE" dirty="0" smtClean="0"/>
-              <a:t>DDS </a:t>
-            </a:r>
+              <a:t>Discovery</a:t>
+            </a:r>
+          </a:p>
+          <a:p>
             <a:r>
               <a:rPr lang="de-DE" dirty="0" err="1" smtClean="0"/>
-              <a:t>for</a:t>
+              <a:t>Reliable</a:t>
             </a:r>
             <a:r>
               <a:rPr lang="de-DE" dirty="0" smtClean="0"/>
-              <a:t> TAO</a:t>
+              <a:t> Data</a:t>
             </a:r>
           </a:p>
           <a:p>
             <a:r>
               <a:rPr lang="de-DE" dirty="0" smtClean="0"/>
-              <a:t>RTI Data Distribution Service (NDDS)</a:t>
-            </a:r>
-          </a:p>
-          <a:p>
-            <a:r>
-              <a:rPr lang="de-DE" dirty="0" smtClean="0"/>
-              <a:t>BEE DDS</a:t>
-            </a:r>
-          </a:p>
-          <a:p>
-            <a:r>
-              <a:rPr lang="de-DE" dirty="0" smtClean="0"/>
-              <a:t>DDS </a:t>
-            </a:r>
-            <a:r>
-              <a:rPr lang="de-DE" dirty="0" err="1" smtClean="0"/>
-              <a:t>for</a:t>
-            </a:r>
-            <a:r>
-              <a:rPr lang="de-DE" dirty="0" smtClean="0"/>
-              <a:t> ROS</a:t>
+              <a:t>Filter</a:t>
             </a:r>
             <a:endParaRPr lang="de-DE" dirty="0"/>
           </a:p>
@@ -3991,21 +3984,13 @@
     </p:spTree>
     <p:extLst>
       <p:ext uri="{BB962C8B-B14F-4D97-AF65-F5344CB8AC3E}">
-        <p14:creationId xmlns:p14="http://schemas.microsoft.com/office/powerpoint/2010/main" val="3373674930"/>
+        <p14:creationId xmlns:p14="http://schemas.microsoft.com/office/powerpoint/2010/main" val="2324785858"/>
       </p:ext>
     </p:extLst>
   </p:cSld>
   <p:clrMapOvr>
     <a:masterClrMapping/>
   </p:clrMapOvr>
-  <mc:AlternateContent xmlns:mc="http://schemas.openxmlformats.org/markup-compatibility/2006" xmlns:p14="http://schemas.microsoft.com/office/powerpoint/2010/main">
-    <mc:Choice Requires="p14">
-      <p:transition spd="slow" p14:dur="2000"/>
-    </mc:Choice>
-    <mc:Fallback xmlns="">
-      <p:transition spd="slow"/>
-    </mc:Fallback>
-  </mc:AlternateContent>
 </p:sld>
 </file>
 
@@ -7373,12 +7358,8 @@
           <a:lstStyle/>
           <a:p>
             <a:r>
-              <a:rPr lang="de-DE" dirty="0" err="1" smtClean="0"/>
-              <a:t>notData</a:t>
-            </a:r>
-            <a:r>
               <a:rPr lang="de-DE" dirty="0" smtClean="0"/>
-              <a:t> </a:t>
+              <a:t>not Data </a:t>
             </a:r>
             <a:r>
               <a:rPr lang="de-DE" dirty="0" err="1" smtClean="0"/>
@@ -8797,14 +8778,52 @@
           <a:p>
             <a:r>
               <a:rPr lang="de-DE" dirty="0" smtClean="0"/>
-              <a:t>DCPS</a:t>
-            </a:r>
+              <a:t>DCPS </a:t>
+            </a:r>
+            <a:r>
+              <a:rPr lang="de-DE" dirty="0"/>
+              <a:t>Data-</a:t>
+            </a:r>
+            <a:r>
+              <a:rPr lang="de-DE" dirty="0" err="1"/>
+              <a:t>CentricPublish</a:t>
+            </a:r>
+            <a:r>
+              <a:rPr lang="de-DE" dirty="0"/>
+              <a:t>-</a:t>
+            </a:r>
+            <a:r>
+              <a:rPr lang="de-DE" dirty="0" err="1"/>
+              <a:t>Subscribe</a:t>
+            </a:r>
+            <a:endParaRPr lang="de-DE" dirty="0" smtClean="0"/>
           </a:p>
           <a:p>
             <a:r>
               <a:rPr lang="de-DE" dirty="0" smtClean="0"/>
-              <a:t>DLRL (nicht verwechseln mit TL;DR)</a:t>
-            </a:r>
+              <a:t>DLRL </a:t>
+            </a:r>
+            <a:r>
+              <a:rPr lang="de-DE" dirty="0"/>
+              <a:t>Data </a:t>
+            </a:r>
+            <a:r>
+              <a:rPr lang="de-DE" dirty="0" err="1"/>
+              <a:t>Local</a:t>
+            </a:r>
+            <a:r>
+              <a:rPr lang="de-DE" dirty="0"/>
+              <a:t> </a:t>
+            </a:r>
+            <a:r>
+              <a:rPr lang="de-DE" dirty="0" err="1"/>
+              <a:t>Reconstruction</a:t>
+            </a:r>
+            <a:r>
+              <a:rPr lang="de-DE" dirty="0"/>
+              <a:t> Layer</a:t>
+            </a:r>
+            <a:endParaRPr lang="de-DE" dirty="0" smtClean="0"/>
           </a:p>
           <a:p>
             <a:r>
@@ -9144,11 +9163,7 @@
           <a:p>
             <a:r>
               <a:rPr lang="de-DE" dirty="0" smtClean="0"/>
-              <a:t>DDS </a:t>
-            </a:r>
-            <a:r>
-              <a:rPr lang="de-DE" dirty="0" smtClean="0"/>
-              <a:t>Architektur</a:t>
+              <a:t>DDS Data Space</a:t>
             </a:r>
             <a:endParaRPr lang="de-DE" dirty="0"/>
           </a:p>
@@ -9168,40 +9183,6 @@
         <p:txBody>
           <a:bodyPr/>
           <a:lstStyle/>
-          <a:p>
-            <a:r>
-              <a:rPr lang="de-DE" dirty="0" smtClean="0"/>
-              <a:t>Auf welcher Ebene des OSI ISO befinden wir uns?</a:t>
-            </a:r>
-          </a:p>
-          <a:p>
-            <a:r>
-              <a:rPr lang="de-DE" dirty="0"/>
-              <a:t>Message-</a:t>
-            </a:r>
-            <a:r>
-              <a:rPr lang="de-DE" dirty="0" err="1"/>
-              <a:t>oriented</a:t>
-            </a:r>
-            <a:r>
-              <a:rPr lang="de-DE" dirty="0"/>
-              <a:t> </a:t>
-            </a:r>
-            <a:r>
-              <a:rPr lang="de-DE" dirty="0" err="1"/>
-              <a:t>middleware</a:t>
-            </a:r>
-            <a:endParaRPr lang="de-DE" dirty="0"/>
-          </a:p>
-          <a:p>
-            <a:r>
-              <a:rPr lang="de-DE" dirty="0" smtClean="0"/>
-              <a:t>BILD</a:t>
-            </a:r>
-          </a:p>
-          <a:p>
-            <a:endParaRPr lang="de-DE" dirty="0"/>
-          </a:p>
           <a:p>
             <a:endParaRPr lang="de-DE" dirty="0"/>
           </a:p>
@@ -9249,6 +9230,90 @@
               <a:rPr lang="de-DE" smtClean="0"/>
               <a:t>9</a:t>
             </a:fld>
+            <a:endParaRPr lang="de-DE"/>
+          </a:p>
+        </p:txBody>
+      </p:sp>
+      <p:sp>
+        <p:nvSpPr>
+          <p:cNvPr id="6" name="Wolke 5"/>
+          <p:cNvSpPr/>
+          <p:nvPr/>
+        </p:nvSpPr>
+        <p:spPr>
+          <a:xfrm>
+            <a:off x="4622800" y="3429000"/>
+            <a:ext cx="2895600" cy="1739900"/>
+          </a:xfrm>
+          <a:prstGeom prst="cloud">
+            <a:avLst/>
+          </a:prstGeom>
+        </p:spPr>
+        <p:style>
+          <a:lnRef idx="2">
+            <a:schemeClr val="accent1">
+              <a:shade val="50000"/>
+            </a:schemeClr>
+          </a:lnRef>
+          <a:fillRef idx="1">
+            <a:schemeClr val="accent1"/>
+          </a:fillRef>
+          <a:effectRef idx="0">
+            <a:schemeClr val="accent1"/>
+          </a:effectRef>
+          <a:fontRef idx="minor">
+            <a:schemeClr val="lt1"/>
+          </a:fontRef>
+        </p:style>
+        <p:txBody>
+          <a:bodyPr rtlCol="0" anchor="ctr"/>
+          <a:lstStyle/>
+          <a:p>
+            <a:pPr algn="ctr"/>
+            <a:r>
+              <a:rPr lang="de-DE" dirty="0" smtClean="0"/>
+              <a:t>Global Data Space</a:t>
+            </a:r>
+            <a:endParaRPr lang="de-DE" dirty="0"/>
+          </a:p>
+        </p:txBody>
+      </p:sp>
+      <p:sp>
+        <p:nvSpPr>
+          <p:cNvPr id="7" name="Abgerundetes Rechteck 6"/>
+          <p:cNvSpPr/>
+          <p:nvPr/>
+        </p:nvSpPr>
+        <p:spPr>
+          <a:xfrm>
+            <a:off x="8369300" y="2755900"/>
+            <a:ext cx="1143000" cy="914400"/>
+          </a:xfrm>
+          <a:prstGeom prst="roundRect">
+            <a:avLst/>
+          </a:prstGeom>
+        </p:spPr>
+        <p:style>
+          <a:lnRef idx="2">
+            <a:schemeClr val="accent1">
+              <a:shade val="50000"/>
+            </a:schemeClr>
+          </a:lnRef>
+          <a:fillRef idx="1">
+            <a:schemeClr val="accent1"/>
+          </a:fillRef>
+          <a:effectRef idx="0">
+            <a:schemeClr val="accent1"/>
+          </a:effectRef>
+          <a:fontRef idx="minor">
+            <a:schemeClr val="lt1"/>
+          </a:fontRef>
+        </p:style>
+        <p:txBody>
+          <a:bodyPr rtlCol="0" anchor="ctr"/>
+          <a:lstStyle/>
+          <a:p>
+            <a:pPr algn="ctr"/>
             <a:endParaRPr lang="de-DE"/>
           </a:p>
         </p:txBody>
@@ -9256,13 +9321,20 @@
     </p:spTree>
     <p:extLst>
       <p:ext uri="{BB962C8B-B14F-4D97-AF65-F5344CB8AC3E}">
-        <p14:creationId xmlns:p14="http://schemas.microsoft.com/office/powerpoint/2010/main" val="4005688388"/>
+        <p14:creationId xmlns:p14="http://schemas.microsoft.com/office/powerpoint/2010/main" val="3332783416"/>
       </p:ext>
     </p:extLst>
   </p:cSld>
   <p:clrMapOvr>
     <a:masterClrMapping/>
   </p:clrMapOvr>
+  <p:timing>
+    <p:tnLst>
+      <p:par>
+        <p:cTn id="1" dur="indefinite" restart="never" nodeType="tmRoot"/>
+      </p:par>
+    </p:tnLst>
+  </p:timing>
 </p:sld>
 </file>
 
